--- a/project/qb_projections/presentation.pptx
+++ b/project/qb_projections/presentation.pptx
@@ -13,8 +13,11 @@
     <p:sldId id="260" r:id="rId7"/>
     <p:sldId id="262" r:id="rId8"/>
     <p:sldId id="261" r:id="rId9"/>
-    <p:sldId id="263" r:id="rId10"/>
-    <p:sldId id="265" r:id="rId11"/>
+    <p:sldId id="266" r:id="rId10"/>
+    <p:sldId id="267" r:id="rId11"/>
+    <p:sldId id="268" r:id="rId12"/>
+    <p:sldId id="265" r:id="rId13"/>
+    <p:sldId id="270" r:id="rId14"/>
   </p:sldIdLst>
   <p:sldSz cx="9144000" cy="6858000" type="screen4x3"/>
   <p:notesSz cx="6858000" cy="9144000"/>
@@ -4204,6 +4207,145 @@
           <a:chExt cx="0" cy="0"/>
         </a:xfrm>
       </p:grpSpPr>
+      <p:pic>
+        <p:nvPicPr>
+          <p:cNvPr id="8" name="Picture 7"/>
+          <p:cNvPicPr>
+            <a:picLocks noChangeAspect="1"/>
+          </p:cNvPicPr>
+          <p:nvPr/>
+        </p:nvPicPr>
+        <p:blipFill>
+          <a:blip r:embed="rId2"/>
+          <a:stretch>
+            <a:fillRect/>
+          </a:stretch>
+        </p:blipFill>
+        <p:spPr>
+          <a:xfrm>
+            <a:off x="0" y="1803400"/>
+            <a:ext cx="5486400" cy="4216400"/>
+          </a:xfrm>
+          <a:prstGeom prst="rect">
+            <a:avLst/>
+          </a:prstGeom>
+        </p:spPr>
+      </p:pic>
+      <p:pic>
+        <p:nvPicPr>
+          <p:cNvPr id="7" name="Picture 6"/>
+          <p:cNvPicPr>
+            <a:picLocks noChangeAspect="1"/>
+          </p:cNvPicPr>
+          <p:nvPr/>
+        </p:nvPicPr>
+        <p:blipFill>
+          <a:blip r:embed="rId3"/>
+          <a:stretch>
+            <a:fillRect/>
+          </a:stretch>
+        </p:blipFill>
+        <p:spPr>
+          <a:xfrm>
+            <a:off x="5638800" y="762000"/>
+            <a:ext cx="2857500" cy="5842000"/>
+          </a:xfrm>
+          <a:prstGeom prst="rect">
+            <a:avLst/>
+          </a:prstGeom>
+        </p:spPr>
+      </p:pic>
+      <p:sp>
+        <p:nvSpPr>
+          <p:cNvPr id="10" name="Title 1"/>
+          <p:cNvSpPr>
+            <a:spLocks noGrp="1"/>
+          </p:cNvSpPr>
+          <p:nvPr>
+            <p:ph type="title"/>
+          </p:nvPr>
+        </p:nvSpPr>
+        <p:spPr>
+          <a:xfrm>
+            <a:off x="457200" y="533400"/>
+            <a:ext cx="8229600" cy="1066800"/>
+          </a:xfrm>
+        </p:spPr>
+        <p:txBody>
+          <a:bodyPr>
+            <a:normAutofit fontScale="90000"/>
+          </a:bodyPr>
+          <a:lstStyle/>
+          <a:p>
+            <a:r>
+              <a:rPr lang="en-US" dirty="0" smtClean="0"/>
+              <a:t>Setting up the data</a:t>
+            </a:r>
+            <a:br>
+              <a:rPr lang="en-US" dirty="0" smtClean="0"/>
+            </a:br>
+            <a:r>
+              <a:rPr lang="en-US" dirty="0" smtClean="0"/>
+              <a:t>(cont’d)</a:t>
+            </a:r>
+            <a:endParaRPr lang="en-US" dirty="0"/>
+          </a:p>
+        </p:txBody>
+      </p:sp>
+      <p:pic>
+        <p:nvPicPr>
+          <p:cNvPr id="11" name="Picture 10"/>
+          <p:cNvPicPr>
+            <a:picLocks noChangeAspect="1"/>
+          </p:cNvPicPr>
+          <p:nvPr/>
+        </p:nvPicPr>
+        <p:blipFill>
+          <a:blip r:embed="rId4"/>
+          <a:stretch>
+            <a:fillRect/>
+          </a:stretch>
+        </p:blipFill>
+        <p:spPr>
+          <a:xfrm>
+            <a:off x="1981200" y="6019800"/>
+            <a:ext cx="2095500" cy="495300"/>
+          </a:xfrm>
+          <a:prstGeom prst="rect">
+            <a:avLst/>
+          </a:prstGeom>
+        </p:spPr>
+      </p:pic>
+    </p:spTree>
+    <p:extLst>
+      <p:ext uri="{BB962C8B-B14F-4D97-AF65-F5344CB8AC3E}">
+        <p14:creationId xmlns:p14="http://schemas.microsoft.com/office/powerpoint/2010/main" val="3496703219"/>
+      </p:ext>
+    </p:extLst>
+  </p:cSld>
+  <p:clrMapOvr>
+    <a:masterClrMapping/>
+  </p:clrMapOvr>
+</p:sld>
+</file>
+
+<file path=ppt/slides/slide11.xml><?xml version="1.0" encoding="utf-8"?>
+<p:sld xmlns:a="http://schemas.openxmlformats.org/drawingml/2006/main" xmlns:r="http://schemas.openxmlformats.org/officeDocument/2006/relationships" xmlns:p="http://schemas.openxmlformats.org/presentationml/2006/main">
+  <p:cSld>
+    <p:spTree>
+      <p:nvGrpSpPr>
+        <p:cNvPr id="1" name=""/>
+        <p:cNvGrpSpPr/>
+        <p:nvPr/>
+      </p:nvGrpSpPr>
+      <p:grpSpPr>
+        <a:xfrm>
+          <a:off x="0" y="0"/>
+          <a:ext cx="0" cy="0"/>
+          <a:chOff x="0" y="0"/>
+          <a:chExt cx="0" cy="0"/>
+        </a:xfrm>
+      </p:grpSpPr>
       <p:sp>
         <p:nvSpPr>
           <p:cNvPr id="2" name="Title 1"/>
@@ -4216,7 +4358,7 @@
         </p:nvSpPr>
         <p:spPr>
           <a:xfrm>
-            <a:off x="457200" y="762000"/>
+            <a:off x="457200" y="685800"/>
             <a:ext cx="8229600" cy="1066800"/>
           </a:xfrm>
         </p:spPr>
@@ -4226,7 +4368,7 @@
           <a:p>
             <a:r>
               <a:rPr lang="en-US" dirty="0" smtClean="0"/>
-              <a:t>Regression results</a:t>
+              <a:t>Model results</a:t>
             </a:r>
             <a:endParaRPr lang="en-US" dirty="0"/>
           </a:p>
@@ -4248,8 +4390,8 @@
         </p:blipFill>
         <p:spPr>
           <a:xfrm>
-            <a:off x="1466850" y="1752600"/>
-            <a:ext cx="6210300" cy="4330700"/>
+            <a:off x="381000" y="1676400"/>
+            <a:ext cx="4737100" cy="4724400"/>
           </a:xfrm>
           <a:prstGeom prst="rect">
             <a:avLst/>
@@ -4264,8 +4406,8 @@
         </p:nvSpPr>
         <p:spPr>
           <a:xfrm>
-            <a:off x="3842117" y="6248400"/>
-            <a:ext cx="1459767" cy="369332"/>
+            <a:off x="5105400" y="1676400"/>
+            <a:ext cx="3733801" cy="1477328"/>
           </a:xfrm>
           <a:prstGeom prst="rect">
             <a:avLst/>
@@ -4273,6 +4415,142 @@
           <a:noFill/>
         </p:spPr>
         <p:txBody>
+          <a:bodyPr wrap="square" rtlCol="0">
+            <a:spAutoFit/>
+          </a:bodyPr>
+          <a:lstStyle/>
+          <a:p>
+            <a:r>
+              <a:rPr lang="en-US" dirty="0" smtClean="0"/>
+              <a:t>Questionable results?</a:t>
+            </a:r>
+          </a:p>
+          <a:p>
+            <a:pPr marL="285750" indent="-285750">
+              <a:buFont typeface="Arial"/>
+              <a:buChar char="•"/>
+            </a:pPr>
+            <a:r>
+              <a:rPr lang="en-US" dirty="0" smtClean="0"/>
+              <a:t>Weights on rolled up averages seem remarkably similar to actual scoring</a:t>
+            </a:r>
+            <a:r>
+              <a:rPr lang="is-IS" dirty="0" smtClean="0"/>
+              <a:t>…</a:t>
+            </a:r>
+          </a:p>
+          <a:p>
+            <a:pPr marL="285750" indent="-285750">
+              <a:buFont typeface="Arial"/>
+              <a:buChar char="•"/>
+            </a:pPr>
+            <a:r>
+              <a:rPr lang="is-IS" dirty="0" smtClean="0"/>
+              <a:t>Unlikely </a:t>
+            </a:r>
+            <a:endParaRPr lang="en-US" dirty="0"/>
+          </a:p>
+        </p:txBody>
+      </p:sp>
+    </p:spTree>
+    <p:extLst>
+      <p:ext uri="{BB962C8B-B14F-4D97-AF65-F5344CB8AC3E}">
+        <p14:creationId xmlns:p14="http://schemas.microsoft.com/office/powerpoint/2010/main" val="2949097299"/>
+      </p:ext>
+    </p:extLst>
+  </p:cSld>
+  <p:clrMapOvr>
+    <a:masterClrMapping/>
+  </p:clrMapOvr>
+</p:sld>
+</file>
+
+<file path=ppt/slides/slide12.xml><?xml version="1.0" encoding="utf-8"?>
+<p:sld xmlns:a="http://schemas.openxmlformats.org/drawingml/2006/main" xmlns:r="http://schemas.openxmlformats.org/officeDocument/2006/relationships" xmlns:p="http://schemas.openxmlformats.org/presentationml/2006/main">
+  <p:cSld>
+    <p:spTree>
+      <p:nvGrpSpPr>
+        <p:cNvPr id="1" name=""/>
+        <p:cNvGrpSpPr/>
+        <p:nvPr/>
+      </p:nvGrpSpPr>
+      <p:grpSpPr>
+        <a:xfrm>
+          <a:off x="0" y="0"/>
+          <a:ext cx="0" cy="0"/>
+          <a:chOff x="0" y="0"/>
+          <a:chExt cx="0" cy="0"/>
+        </a:xfrm>
+      </p:grpSpPr>
+      <p:sp>
+        <p:nvSpPr>
+          <p:cNvPr id="2" name="Title 1"/>
+          <p:cNvSpPr>
+            <a:spLocks noGrp="1"/>
+          </p:cNvSpPr>
+          <p:nvPr>
+            <p:ph type="title"/>
+          </p:nvPr>
+        </p:nvSpPr>
+        <p:spPr>
+          <a:xfrm>
+            <a:off x="457200" y="762000"/>
+            <a:ext cx="8229600" cy="1066800"/>
+          </a:xfrm>
+        </p:spPr>
+        <p:txBody>
+          <a:bodyPr/>
+          <a:lstStyle/>
+          <a:p>
+            <a:r>
+              <a:rPr lang="en-US" dirty="0" smtClean="0"/>
+              <a:t>Model results (cont’d)</a:t>
+            </a:r>
+            <a:endParaRPr lang="en-US" dirty="0"/>
+          </a:p>
+        </p:txBody>
+      </p:sp>
+      <p:pic>
+        <p:nvPicPr>
+          <p:cNvPr id="4" name="Picture 3"/>
+          <p:cNvPicPr>
+            <a:picLocks noChangeAspect="1"/>
+          </p:cNvPicPr>
+          <p:nvPr/>
+        </p:nvPicPr>
+        <p:blipFill>
+          <a:blip r:embed="rId2"/>
+          <a:stretch>
+            <a:fillRect/>
+          </a:stretch>
+        </p:blipFill>
+        <p:spPr>
+          <a:xfrm>
+            <a:off x="1466850" y="1752600"/>
+            <a:ext cx="6210300" cy="4330700"/>
+          </a:xfrm>
+          <a:prstGeom prst="rect">
+            <a:avLst/>
+          </a:prstGeom>
+        </p:spPr>
+      </p:pic>
+      <p:sp>
+        <p:nvSpPr>
+          <p:cNvPr id="5" name="TextBox 4"/>
+          <p:cNvSpPr txBox="1"/>
+          <p:nvPr/>
+        </p:nvSpPr>
+        <p:spPr>
+          <a:xfrm>
+            <a:off x="3842117" y="6248400"/>
+            <a:ext cx="1459767" cy="369332"/>
+          </a:xfrm>
+          <a:prstGeom prst="rect">
+            <a:avLst/>
+          </a:prstGeom>
+          <a:noFill/>
+        </p:spPr>
+        <p:txBody>
           <a:bodyPr wrap="none" rtlCol="0">
             <a:spAutoFit/>
           </a:bodyPr>
@@ -4311,6 +4589,50 @@
             <a:r>
               <a:rPr lang="en-US" dirty="0" smtClean="0"/>
               <a:t>Predicted Score</a:t>
+            </a:r>
+            <a:endParaRPr lang="en-US" dirty="0"/>
+          </a:p>
+        </p:txBody>
+      </p:sp>
+      <p:sp>
+        <p:nvSpPr>
+          <p:cNvPr id="7" name="TextBox 6"/>
+          <p:cNvSpPr txBox="1"/>
+          <p:nvPr/>
+        </p:nvSpPr>
+        <p:spPr>
+          <a:xfrm>
+            <a:off x="228600" y="6059269"/>
+            <a:ext cx="1544012" cy="646331"/>
+          </a:xfrm>
+          <a:prstGeom prst="rect">
+            <a:avLst/>
+          </a:prstGeom>
+          <a:noFill/>
+        </p:spPr>
+        <p:txBody>
+          <a:bodyPr wrap="none" rtlCol="0">
+            <a:spAutoFit/>
+          </a:bodyPr>
+          <a:lstStyle/>
+          <a:p>
+            <a:r>
+              <a:rPr lang="en-US" dirty="0" smtClean="0"/>
+              <a:t>R</a:t>
+            </a:r>
+            <a:r>
+              <a:rPr lang="en-US" baseline="30000" dirty="0" smtClean="0"/>
+              <a:t>2 </a:t>
+            </a:r>
+            <a:r>
+              <a:rPr lang="en-US" dirty="0" smtClean="0"/>
+              <a:t>= 79.5%</a:t>
+            </a:r>
+          </a:p>
+          <a:p>
+            <a:r>
+              <a:rPr lang="en-US" dirty="0" smtClean="0"/>
+              <a:t>RMSE = 4.27</a:t>
             </a:r>
             <a:endParaRPr lang="en-US" dirty="0"/>
           </a:p>
@@ -4326,6 +4648,129 @@
   <p:clrMapOvr>
     <a:masterClrMapping/>
   </p:clrMapOvr>
+</p:sld>
+</file>
+
+<file path=ppt/slides/slide13.xml><?xml version="1.0" encoding="utf-8"?>
+<p:sld xmlns:a="http://schemas.openxmlformats.org/drawingml/2006/main" xmlns:r="http://schemas.openxmlformats.org/officeDocument/2006/relationships" xmlns:p="http://schemas.openxmlformats.org/presentationml/2006/main">
+  <p:cSld>
+    <p:spTree>
+      <p:nvGrpSpPr>
+        <p:cNvPr id="1" name=""/>
+        <p:cNvGrpSpPr/>
+        <p:nvPr/>
+      </p:nvGrpSpPr>
+      <p:grpSpPr>
+        <a:xfrm>
+          <a:off x="0" y="0"/>
+          <a:ext cx="0" cy="0"/>
+          <a:chOff x="0" y="0"/>
+          <a:chExt cx="0" cy="0"/>
+        </a:xfrm>
+      </p:grpSpPr>
+      <p:sp>
+        <p:nvSpPr>
+          <p:cNvPr id="2" name="Title 1"/>
+          <p:cNvSpPr>
+            <a:spLocks noGrp="1"/>
+          </p:cNvSpPr>
+          <p:nvPr>
+            <p:ph type="title"/>
+          </p:nvPr>
+        </p:nvSpPr>
+        <p:spPr/>
+        <p:txBody>
+          <a:bodyPr/>
+          <a:lstStyle/>
+          <a:p>
+            <a:r>
+              <a:rPr lang="en-US" dirty="0" smtClean="0"/>
+              <a:t>Rambling t</a:t>
+            </a:r>
+            <a:r>
+              <a:rPr lang="en-US" dirty="0" smtClean="0"/>
+              <a:t>houghts for next time</a:t>
+            </a:r>
+            <a:endParaRPr lang="en-US" dirty="0"/>
+          </a:p>
+        </p:txBody>
+      </p:sp>
+      <p:sp>
+        <p:nvSpPr>
+          <p:cNvPr id="3" name="Content Placeholder 2"/>
+          <p:cNvSpPr>
+            <a:spLocks noGrp="1"/>
+          </p:cNvSpPr>
+          <p:nvPr>
+            <p:ph idx="1"/>
+          </p:nvPr>
+        </p:nvSpPr>
+        <p:spPr/>
+        <p:txBody>
+          <a:bodyPr>
+            <a:normAutofit/>
+          </a:bodyPr>
+          <a:lstStyle/>
+          <a:p>
+            <a:r>
+              <a:rPr lang="en-US" dirty="0"/>
+              <a:t>Don’t underestimate </a:t>
+            </a:r>
+            <a:r>
+              <a:rPr lang="en-US" dirty="0" smtClean="0"/>
+              <a:t>processing time before modeling can actually begin</a:t>
+            </a:r>
+            <a:endParaRPr lang="en-US" dirty="0" smtClean="0"/>
+          </a:p>
+          <a:p>
+            <a:r>
+              <a:rPr lang="en-US" dirty="0" smtClean="0"/>
+              <a:t>Use a random forest as the next model</a:t>
+            </a:r>
+          </a:p>
+          <a:p>
+            <a:r>
+              <a:rPr lang="en-US" dirty="0" smtClean="0"/>
+              <a:t>Find rolling averages across different sized windows</a:t>
+            </a:r>
+          </a:p>
+          <a:p>
+            <a:r>
+              <a:rPr lang="en-US" dirty="0" smtClean="0"/>
+              <a:t>Were the rolling averages to date used correctly excluding that </a:t>
+            </a:r>
+            <a:r>
+              <a:rPr lang="en-US" smtClean="0"/>
+              <a:t>game’s statistics?</a:t>
+            </a:r>
+            <a:endParaRPr lang="en-US" dirty="0" smtClean="0"/>
+          </a:p>
+          <a:p>
+            <a:r>
+              <a:rPr lang="en-US" dirty="0" err="1" smtClean="0"/>
+              <a:t>Ensembling</a:t>
+            </a:r>
+            <a:endParaRPr lang="en-US" dirty="0" smtClean="0"/>
+          </a:p>
+        </p:txBody>
+      </p:sp>
+    </p:spTree>
+    <p:extLst>
+      <p:ext uri="{BB962C8B-B14F-4D97-AF65-F5344CB8AC3E}">
+        <p14:creationId xmlns:p14="http://schemas.microsoft.com/office/powerpoint/2010/main" val="2631426210"/>
+      </p:ext>
+    </p:extLst>
+  </p:cSld>
+  <p:clrMapOvr>
+    <a:masterClrMapping/>
+  </p:clrMapOvr>
+  <p:timing>
+    <p:tnLst>
+      <p:par>
+        <p:cTn xmlns:p14="http://schemas.microsoft.com/office/powerpoint/2010/main" id="1" dur="indefinite" restart="never" nodeType="tmRoot"/>
+      </p:par>
+    </p:tnLst>
+  </p:timing>
 </p:sld>
 </file>
 
@@ -5479,92 +5924,254 @@
             <p:ph type="title"/>
           </p:nvPr>
         </p:nvSpPr>
+        <p:spPr>
+          <a:xfrm>
+            <a:off x="457200" y="1143000"/>
+            <a:ext cx="8229600" cy="1066800"/>
+          </a:xfrm>
+        </p:spPr>
+        <p:txBody>
+          <a:bodyPr/>
+          <a:lstStyle/>
+          <a:p>
+            <a:r>
+              <a:rPr lang="en-US" dirty="0" smtClean="0"/>
+              <a:t>Setting up the data</a:t>
+            </a:r>
+            <a:endParaRPr lang="en-US" dirty="0"/>
+          </a:p>
+        </p:txBody>
+      </p:sp>
+      <p:sp>
+        <p:nvSpPr>
+          <p:cNvPr id="3" name="Content Placeholder 2"/>
+          <p:cNvSpPr>
+            <a:spLocks noGrp="1"/>
+          </p:cNvSpPr>
+          <p:nvPr>
+            <p:ph idx="1"/>
+          </p:nvPr>
+        </p:nvSpPr>
         <p:spPr/>
         <p:txBody>
-          <a:bodyPr/>
-          <a:lstStyle/>
-          <a:p>
-            <a:r>
-              <a:rPr lang="en-US" smtClean="0"/>
-              <a:t>Next steps</a:t>
-            </a:r>
-            <a:endParaRPr lang="en-US"/>
-          </a:p>
-        </p:txBody>
-      </p:sp>
-      <p:sp>
-        <p:nvSpPr>
-          <p:cNvPr id="3" name="Content Placeholder 2"/>
-          <p:cNvSpPr>
-            <a:spLocks noGrp="1"/>
-          </p:cNvSpPr>
-          <p:nvPr>
-            <p:ph idx="1"/>
-          </p:nvPr>
-        </p:nvSpPr>
-        <p:spPr/>
-        <p:txBody>
-          <a:bodyPr/>
+          <a:bodyPr>
+            <a:normAutofit fontScale="85000" lnSpcReduction="20000"/>
+          </a:bodyPr>
           <a:lstStyle/>
           <a:p>
             <a:r>
               <a:rPr lang="en-US" dirty="0" smtClean="0"/>
-              <a:t>Data cleaning</a:t>
-            </a:r>
-          </a:p>
-          <a:p>
-            <a:pPr lvl="1"/>
+              <a:t>Create game IDs based on season and teams playing</a:t>
+            </a:r>
+          </a:p>
+          <a:p>
             <a:r>
               <a:rPr lang="en-US" dirty="0" smtClean="0"/>
-              <a:t>Way more “QBs” than expected</a:t>
-            </a:r>
-          </a:p>
-          <a:p>
-            <a:pPr lvl="1"/>
+              <a:t>Normalize team names</a:t>
+            </a:r>
+          </a:p>
+          <a:p>
             <a:r>
               <a:rPr lang="en-US" dirty="0" smtClean="0"/>
-              <a:t>Team stats not converting to numeric as expected</a:t>
-            </a:r>
-          </a:p>
-          <a:p>
+              <a:t>Create rolling averages to date using </a:t>
+            </a:r>
+            <a:r>
+              <a:rPr lang="en-US" dirty="0" err="1" smtClean="0"/>
+              <a:t>pd.expanding_mean</a:t>
+            </a:r>
             <a:r>
               <a:rPr lang="en-US" dirty="0" smtClean="0"/>
-              <a:t>Create common key to merge datasets and begin feature engineering</a:t>
+              <a:t>() by QB</a:t>
             </a:r>
           </a:p>
           <a:p>
             <a:r>
               <a:rPr lang="en-US" dirty="0" smtClean="0"/>
-              <a:t>Model selection</a:t>
-            </a:r>
-          </a:p>
-          <a:p>
-            <a:pPr lvl="1"/>
+              <a:t>Features:</a:t>
+            </a:r>
+          </a:p>
+          <a:p>
             <a:r>
               <a:rPr lang="en-US" dirty="0" smtClean="0"/>
-              <a:t>Basic model will likely be a rolling average of individual QB stats</a:t>
-            </a:r>
-            <a:endParaRPr lang="en-US" dirty="0"/>
+              <a:t>'</a:t>
+            </a:r>
+            <a:r>
+              <a:rPr lang="en-US" dirty="0"/>
+              <a:t>season', 'week', '</a:t>
+            </a:r>
+            <a:r>
+              <a:rPr lang="en-US" dirty="0" err="1"/>
+              <a:t>fumbles_lost</a:t>
+            </a:r>
+            <a:r>
+              <a:rPr lang="en-US" dirty="0"/>
+              <a:t>', '</a:t>
+            </a:r>
+            <a:r>
+              <a:rPr lang="en-US" dirty="0" err="1"/>
+              <a:t>passing_att</a:t>
+            </a:r>
+            <a:r>
+              <a:rPr lang="en-US" dirty="0"/>
+              <a:t>', '</a:t>
+            </a:r>
+            <a:r>
+              <a:rPr lang="en-US" dirty="0" err="1"/>
+              <a:t>passing_cmp</a:t>
+            </a:r>
+            <a:r>
+              <a:rPr lang="en-US" dirty="0"/>
+              <a:t>', '</a:t>
+            </a:r>
+            <a:r>
+              <a:rPr lang="en-US" dirty="0" err="1"/>
+              <a:t>passing_ints</a:t>
+            </a:r>
+            <a:r>
+              <a:rPr lang="en-US" dirty="0"/>
+              <a:t>', 'passing_</a:t>
+            </a:r>
+            <a:r>
+              <a:rPr lang="en-US" dirty="0" err="1"/>
+              <a:t>tds</a:t>
+            </a:r>
+            <a:r>
+              <a:rPr lang="en-US" dirty="0"/>
+              <a:t>','</a:t>
+            </a:r>
+            <a:r>
+              <a:rPr lang="en-US" dirty="0" err="1"/>
+              <a:t>passing_twopta</a:t>
+            </a:r>
+            <a:r>
+              <a:rPr lang="en-US" dirty="0"/>
+              <a:t>', '</a:t>
+            </a:r>
+            <a:r>
+              <a:rPr lang="en-US" dirty="0" err="1"/>
+              <a:t>passing_twoptm</a:t>
+            </a:r>
+            <a:r>
+              <a:rPr lang="en-US" dirty="0"/>
+              <a:t>', '</a:t>
+            </a:r>
+            <a:r>
+              <a:rPr lang="en-US" dirty="0" err="1"/>
+              <a:t>passing_yds</a:t>
+            </a:r>
+            <a:r>
+              <a:rPr lang="en-US" dirty="0"/>
+              <a:t>', '</a:t>
+            </a:r>
+            <a:r>
+              <a:rPr lang="en-US" dirty="0" err="1"/>
+              <a:t>rushing_att</a:t>
+            </a:r>
+            <a:r>
+              <a:rPr lang="en-US" dirty="0"/>
+              <a:t>', '</a:t>
+            </a:r>
+            <a:r>
+              <a:rPr lang="en-US" dirty="0" err="1"/>
+              <a:t>rushing_tds</a:t>
+            </a:r>
+            <a:r>
+              <a:rPr lang="en-US" dirty="0"/>
+              <a:t>', 'rushing_</a:t>
+            </a:r>
+            <a:r>
+              <a:rPr lang="en-US" dirty="0" err="1"/>
+              <a:t>twopta</a:t>
+            </a:r>
+            <a:r>
+              <a:rPr lang="en-US" dirty="0"/>
+              <a:t>','</a:t>
+            </a:r>
+            <a:r>
+              <a:rPr lang="en-US" dirty="0" err="1"/>
+              <a:t>rushing_twoptm</a:t>
+            </a:r>
+            <a:r>
+              <a:rPr lang="en-US" dirty="0"/>
+              <a:t>', '</a:t>
+            </a:r>
+            <a:r>
+              <a:rPr lang="en-US" dirty="0" err="1"/>
+              <a:t>rushing_yds</a:t>
+            </a:r>
+            <a:r>
+              <a:rPr lang="en-US" dirty="0"/>
+              <a:t>', 'year', '</a:t>
+            </a:r>
+            <a:r>
+              <a:rPr lang="en-US" dirty="0" err="1"/>
+              <a:t>FirstDownOff</a:t>
+            </a:r>
+            <a:r>
+              <a:rPr lang="en-US" dirty="0"/>
+              <a:t>', '</a:t>
+            </a:r>
+            <a:r>
+              <a:rPr lang="en-US" dirty="0" err="1"/>
+              <a:t>SackNumOff</a:t>
+            </a:r>
+            <a:r>
+              <a:rPr lang="en-US" dirty="0"/>
+              <a:t>','</a:t>
+            </a:r>
+            <a:r>
+              <a:rPr lang="en-US" dirty="0" err="1"/>
+              <a:t>PenYdsOff</a:t>
+            </a:r>
+            <a:r>
+              <a:rPr lang="en-US" dirty="0"/>
+              <a:t>', '</a:t>
+            </a:r>
+            <a:r>
+              <a:rPr lang="en-US" dirty="0" err="1"/>
+              <a:t>TimePossOff</a:t>
+            </a:r>
+            <a:r>
+              <a:rPr lang="en-US" dirty="0"/>
+              <a:t>', '</a:t>
+            </a:r>
+            <a:r>
+              <a:rPr lang="en-US" dirty="0" err="1"/>
+              <a:t>FirstDownDef</a:t>
+            </a:r>
+            <a:r>
+              <a:rPr lang="en-US" dirty="0"/>
+              <a:t>', '</a:t>
+            </a:r>
+            <a:r>
+              <a:rPr lang="en-US" dirty="0" err="1"/>
+              <a:t>PenYdsDef</a:t>
+            </a:r>
+            <a:r>
+              <a:rPr lang="en-US" dirty="0"/>
+              <a:t>', 'home', 'Line', '</a:t>
+            </a:r>
+            <a:r>
+              <a:rPr lang="en-US" dirty="0" err="1"/>
+              <a:t>TotalLine</a:t>
+            </a:r>
+            <a:r>
+              <a:rPr lang="en-US" dirty="0"/>
+              <a:t>'</a:t>
+            </a:r>
           </a:p>
         </p:txBody>
       </p:sp>
     </p:spTree>
     <p:extLst>
       <p:ext uri="{BB962C8B-B14F-4D97-AF65-F5344CB8AC3E}">
-        <p14:creationId xmlns:p14="http://schemas.microsoft.com/office/powerpoint/2010/main" val="4224377152"/>
+        <p14:creationId xmlns:p14="http://schemas.microsoft.com/office/powerpoint/2010/main" val="3535213903"/>
       </p:ext>
     </p:extLst>
   </p:cSld>
   <p:clrMapOvr>
     <a:masterClrMapping/>
   </p:clrMapOvr>
-  <p:timing>
-    <p:tnLst>
-      <p:par>
-        <p:cTn xmlns:p14="http://schemas.microsoft.com/office/powerpoint/2010/main" id="1" dur="indefinite" restart="never" nodeType="tmRoot"/>
-      </p:par>
-    </p:tnLst>
-  </p:timing>
 </p:sld>
 </file>
 

--- a/project/qb_projections/presentation.pptx
+++ b/project/qb_projections/presentation.pptx
@@ -4406,8 +4406,8 @@
         </p:nvSpPr>
         <p:spPr>
           <a:xfrm>
-            <a:off x="5105400" y="1676400"/>
-            <a:ext cx="3733801" cy="1477328"/>
+            <a:off x="4876800" y="1219200"/>
+            <a:ext cx="3962401" cy="5355313"/>
           </a:xfrm>
           <a:prstGeom prst="rect">
             <a:avLst/>
@@ -4446,9 +4446,91 @@
             </a:pPr>
             <a:r>
               <a:rPr lang="is-IS" dirty="0" smtClean="0"/>
-              <a:t>Unlikely </a:t>
-            </a:r>
-            <a:endParaRPr lang="en-US" dirty="0"/>
+              <a:t>Predicted low-scoring games yield higher predicted fantasy points</a:t>
+            </a:r>
+          </a:p>
+          <a:p>
+            <a:pPr marL="285750" indent="-285750">
+              <a:buFont typeface="Arial"/>
+              <a:buChar char="•"/>
+            </a:pPr>
+            <a:r>
+              <a:rPr lang="is-IS" dirty="0"/>
+              <a:t>Sacks allowed increases our </a:t>
+            </a:r>
+            <a:r>
+              <a:rPr lang="is-IS" dirty="0" smtClean="0"/>
+              <a:t>projection</a:t>
+            </a:r>
+          </a:p>
+          <a:p>
+            <a:pPr marL="285750" indent="-285750">
+              <a:buFont typeface="Arial"/>
+              <a:buChar char="•"/>
+            </a:pPr>
+            <a:r>
+              <a:rPr lang="is-IS" dirty="0" smtClean="0"/>
+              <a:t>First downs and penalties</a:t>
+            </a:r>
+          </a:p>
+          <a:p>
+            <a:endParaRPr lang="is-IS" dirty="0" smtClean="0"/>
+          </a:p>
+          <a:p>
+            <a:r>
+              <a:rPr lang="is-IS" dirty="0" smtClean="0"/>
+              <a:t>Somewhat reassuring</a:t>
+            </a:r>
+          </a:p>
+          <a:p>
+            <a:pPr marL="285750" indent="-285750">
+              <a:buFont typeface="Arial"/>
+              <a:buChar char="•"/>
+            </a:pPr>
+            <a:r>
+              <a:rPr lang="is-IS" dirty="0" smtClean="0"/>
+              <a:t>NFL has become more pass-happy</a:t>
+            </a:r>
+          </a:p>
+          <a:p>
+            <a:pPr marL="285750" indent="-285750">
+              <a:buFont typeface="Arial"/>
+              <a:buChar char="•"/>
+            </a:pPr>
+            <a:r>
+              <a:rPr lang="is-IS" dirty="0" smtClean="0"/>
+              <a:t>Teams tend to get better as they progress into the season</a:t>
+            </a:r>
+          </a:p>
+          <a:p>
+            <a:pPr marL="285750" indent="-285750">
+              <a:buFont typeface="Arial"/>
+              <a:buChar char="•"/>
+            </a:pPr>
+            <a:r>
+              <a:rPr lang="is-IS" dirty="0" smtClean="0"/>
+              <a:t>Home QBs do better than visiting QBs</a:t>
+            </a:r>
+          </a:p>
+          <a:p>
+            <a:pPr marL="285750" indent="-285750">
+              <a:buFont typeface="Arial"/>
+              <a:buChar char="•"/>
+            </a:pPr>
+            <a:r>
+              <a:rPr lang="is-IS" dirty="0" smtClean="0"/>
+              <a:t>Favored teams do better</a:t>
+            </a:r>
+          </a:p>
+          <a:p>
+            <a:pPr marL="285750" indent="-285750">
+              <a:buFont typeface="Arial"/>
+              <a:buChar char="•"/>
+            </a:pPr>
+            <a:r>
+              <a:rPr lang="is-IS" dirty="0" smtClean="0"/>
+              <a:t>Greater possession time yields a higher score</a:t>
+            </a:r>
           </a:p>
         </p:txBody>
       </p:sp>
@@ -4708,7 +4790,7 @@
         <p:spPr/>
         <p:txBody>
           <a:bodyPr>
-            <a:normAutofit/>
+            <a:normAutofit fontScale="92500" lnSpcReduction="20000"/>
           </a:bodyPr>
           <a:lstStyle/>
           <a:p>
@@ -4720,7 +4802,12 @@
               <a:rPr lang="en-US" dirty="0" smtClean="0"/>
               <a:t>processing time before modeling can actually begin</a:t>
             </a:r>
-            <a:endParaRPr lang="en-US" dirty="0" smtClean="0"/>
+          </a:p>
+          <a:p>
+            <a:r>
+              <a:rPr lang="en-US" dirty="0" smtClean="0"/>
+              <a:t>Compare predictions vs. actuals over time</a:t>
+            </a:r>
           </a:p>
           <a:p>
             <a:r>
@@ -4731,26 +4818,32 @@
           <a:p>
             <a:r>
               <a:rPr lang="en-US" dirty="0" smtClean="0"/>
-              <a:t>Find rolling averages across different sized windows</a:t>
-            </a:r>
-          </a:p>
-          <a:p>
-            <a:r>
-              <a:rPr lang="en-US" dirty="0" smtClean="0"/>
-              <a:t>Were the rolling averages to date used correctly excluding that </a:t>
-            </a:r>
-            <a:r>
-              <a:rPr lang="en-US" smtClean="0"/>
-              <a:t>game’s statistics?</a:t>
-            </a:r>
-            <a:endParaRPr lang="en-US" dirty="0" smtClean="0"/>
-          </a:p>
-          <a:p>
-            <a:r>
-              <a:rPr lang="en-US" dirty="0" err="1" smtClean="0"/>
-              <a:t>Ensembling</a:t>
-            </a:r>
-            <a:endParaRPr lang="en-US" dirty="0" smtClean="0"/>
+              <a:t>Regularized regression models (ridge vs. lasso)</a:t>
+            </a:r>
+          </a:p>
+          <a:p>
+            <a:r>
+              <a:rPr lang="en-US" dirty="0" smtClean="0"/>
+              <a:t>Calculate rolling averages for defensive stats</a:t>
+            </a:r>
+          </a:p>
+          <a:p>
+            <a:r>
+              <a:rPr lang="en-US" dirty="0" smtClean="0"/>
+              <a:t>Calculate rolling averages across different sized windows</a:t>
+            </a:r>
+          </a:p>
+          <a:p>
+            <a:r>
+              <a:rPr lang="en-US" dirty="0" smtClean="0"/>
+              <a:t>Were the rolling averages to date used correctly excluding that game’s statistics?</a:t>
+            </a:r>
+          </a:p>
+          <a:p>
+            <a:r>
+              <a:rPr lang="en-US" dirty="0" smtClean="0"/>
+              <a:t>Ensemble the models together and interpret its results</a:t>
+            </a:r>
           </a:p>
         </p:txBody>
       </p:sp>
@@ -5997,7 +6090,27 @@
             </a:r>
             <a:r>
               <a:rPr lang="en-US" dirty="0"/>
-              <a:t>season', 'week', '</a:t>
+              <a:t>season', 'week</a:t>
+            </a:r>
+            <a:r>
+              <a:rPr lang="en-US" dirty="0" smtClean="0"/>
+              <a:t>'</a:t>
+            </a:r>
+            <a:r>
+              <a:rPr lang="en-US" dirty="0"/>
+              <a:t>, 'home', 'Line', '</a:t>
+            </a:r>
+            <a:r>
+              <a:rPr lang="en-US" dirty="0" err="1"/>
+              <a:t>TotalLine</a:t>
+            </a:r>
+            <a:r>
+              <a:rPr lang="en-US" dirty="0"/>
+              <a:t>’, </a:t>
+            </a:r>
+            <a:r>
+              <a:rPr lang="en-US" dirty="0" smtClean="0"/>
+              <a:t>, '</a:t>
             </a:r>
             <a:r>
               <a:rPr lang="en-US" dirty="0" err="1"/>
@@ -6148,17 +6261,10 @@
               <a:t>PenYdsDef</a:t>
             </a:r>
             <a:r>
-              <a:rPr lang="en-US" dirty="0"/>
-              <a:t>', 'home', 'Line', '</a:t>
-            </a:r>
-            <a:r>
-              <a:rPr lang="en-US" dirty="0" err="1"/>
-              <a:t>TotalLine</a:t>
-            </a:r>
-            <a:r>
-              <a:rPr lang="en-US" dirty="0"/>
+              <a:rPr lang="en-US" dirty="0" smtClean="0"/>
               <a:t>'</a:t>
             </a:r>
+            <a:endParaRPr lang="en-US" dirty="0"/>
           </a:p>
         </p:txBody>
       </p:sp>
